--- a/hackathon2.pptx
+++ b/hackathon2.pptx
@@ -17,10 +17,11 @@
     <p:sldId id="270" r:id="rId11"/>
     <p:sldId id="272" r:id="rId12"/>
     <p:sldId id="271" r:id="rId13"/>
-    <p:sldId id="260" r:id="rId14"/>
-    <p:sldId id="265" r:id="rId15"/>
-    <p:sldId id="266" r:id="rId16"/>
-    <p:sldId id="267" r:id="rId17"/>
+    <p:sldId id="273" r:id="rId14"/>
+    <p:sldId id="260" r:id="rId15"/>
+    <p:sldId id="265" r:id="rId16"/>
+    <p:sldId id="266" r:id="rId17"/>
+    <p:sldId id="267" r:id="rId18"/>
   </p:sldIdLst>
   <p:sldSz cx="12192000" cy="6858000"/>
   <p:notesSz cx="6858000" cy="9144000"/>
@@ -121,7 +122,7 @@
   </p:defaultTextStyle>
   <p:extLst>
     <p:ext uri="{EFAFB233-063F-42B5-8137-9DF3F51BA10A}">
-      <p15:sldGuideLst xmlns="" xmlns:p15="http://schemas.microsoft.com/office/powerpoint/2012/main"/>
+      <p15:sldGuideLst xmlns:p15="http://schemas.microsoft.com/office/powerpoint/2012/main" xmlns=""/>
     </p:ext>
   </p:extLst>
 </p:presentation>
@@ -157,7 +158,7 @@
             <a:alphaModFix amt="30000"/>
             <a:extLst>
               <a:ext uri="{28A0092B-C50C-407E-A947-70E740481C1C}">
-                <a14:useLocalDpi xmlns="" xmlns:a14="http://schemas.microsoft.com/office/drawing/2010/main" val="0"/>
+                <a14:useLocalDpi xmlns:a14="http://schemas.microsoft.com/office/drawing/2010/main" xmlns="" val="0"/>
               </a:ext>
             </a:extLst>
           </a:blip>
@@ -177,7 +178,7 @@
           <a:noFill/>
           <a:extLst>
             <a:ext uri="{909E8E84-426E-40dd-AFC4-6F175D3DCCD1}">
-              <a14:hiddenFill xmlns="" xmlns:a14="http://schemas.microsoft.com/office/drawing/2010/main">
+              <a14:hiddenFill xmlns:a14="http://schemas.microsoft.com/office/drawing/2010/main" xmlns="">
                 <a:solidFill>
                   <a:srgbClr val="FFFFFF"/>
                 </a:solidFill>
@@ -237,7 +238,7 @@
             </a:ln>
             <a:extLst>
               <a:ext uri="{91240B29-F687-4f45-9708-019B960494DF}">
-                <a14:hiddenLine xmlns="" xmlns:a14="http://schemas.microsoft.com/office/drawing/2010/main" w="9525">
+                <a14:hiddenLine xmlns:a14="http://schemas.microsoft.com/office/drawing/2010/main" xmlns="" w="9525">
                   <a:solidFill>
                     <a:srgbClr val="000000"/>
                   </a:solidFill>
@@ -327,7 +328,7 @@
             </a:ln>
             <a:extLst>
               <a:ext uri="{91240B29-F687-4f45-9708-019B960494DF}">
-                <a14:hiddenLine xmlns="" xmlns:a14="http://schemas.microsoft.com/office/drawing/2010/main" w="9525">
+                <a14:hiddenLine xmlns:a14="http://schemas.microsoft.com/office/drawing/2010/main" xmlns="" w="9525">
                   <a:solidFill>
                     <a:srgbClr val="000000"/>
                   </a:solidFill>
@@ -417,7 +418,7 @@
             </a:ln>
             <a:extLst>
               <a:ext uri="{91240B29-F687-4f45-9708-019B960494DF}">
-                <a14:hiddenLine xmlns="" xmlns:a14="http://schemas.microsoft.com/office/drawing/2010/main" w="9525">
+                <a14:hiddenLine xmlns:a14="http://schemas.microsoft.com/office/drawing/2010/main" xmlns="" w="9525">
                   <a:solidFill>
                     <a:srgbClr val="000000"/>
                   </a:solidFill>
@@ -451,7 +452,7 @@
             </a:ln>
             <a:extLst>
               <a:ext uri="{91240B29-F687-4f45-9708-019B960494DF}">
-                <a14:hiddenLine xmlns="" xmlns:a14="http://schemas.microsoft.com/office/drawing/2010/main" w="9525">
+                <a14:hiddenLine xmlns:a14="http://schemas.microsoft.com/office/drawing/2010/main" xmlns="" w="9525">
                   <a:solidFill>
                     <a:srgbClr val="000000"/>
                   </a:solidFill>
@@ -541,7 +542,7 @@
             </a:ln>
             <a:extLst>
               <a:ext uri="{91240B29-F687-4f45-9708-019B960494DF}">
-                <a14:hiddenLine xmlns="" xmlns:a14="http://schemas.microsoft.com/office/drawing/2010/main" w="9525">
+                <a14:hiddenLine xmlns:a14="http://schemas.microsoft.com/office/drawing/2010/main" xmlns="" w="9525">
                   <a:solidFill>
                     <a:srgbClr val="000000"/>
                   </a:solidFill>
@@ -603,7 +604,7 @@
             </a:ln>
             <a:extLst>
               <a:ext uri="{91240B29-F687-4f45-9708-019B960494DF}">
-                <a14:hiddenLine xmlns="" xmlns:a14="http://schemas.microsoft.com/office/drawing/2010/main" w="9525">
+                <a14:hiddenLine xmlns:a14="http://schemas.microsoft.com/office/drawing/2010/main" xmlns="" w="9525">
                   <a:solidFill>
                     <a:srgbClr val="000000"/>
                   </a:solidFill>
@@ -665,7 +666,7 @@
             </a:ln>
             <a:extLst>
               <a:ext uri="{91240B29-F687-4f45-9708-019B960494DF}">
-                <a14:hiddenLine xmlns="" xmlns:a14="http://schemas.microsoft.com/office/drawing/2010/main" w="9525">
+                <a14:hiddenLine xmlns:a14="http://schemas.microsoft.com/office/drawing/2010/main" xmlns="" w="9525">
                   <a:solidFill>
                     <a:srgbClr val="000000"/>
                   </a:solidFill>
@@ -755,7 +756,7 @@
             </a:ln>
             <a:extLst>
               <a:ext uri="{91240B29-F687-4f45-9708-019B960494DF}">
-                <a14:hiddenLine xmlns="" xmlns:a14="http://schemas.microsoft.com/office/drawing/2010/main" w="9525">
+                <a14:hiddenLine xmlns:a14="http://schemas.microsoft.com/office/drawing/2010/main" xmlns="" w="9525">
                   <a:solidFill>
                     <a:srgbClr val="000000"/>
                   </a:solidFill>
@@ -817,7 +818,7 @@
             </a:ln>
             <a:extLst>
               <a:ext uri="{91240B29-F687-4f45-9708-019B960494DF}">
-                <a14:hiddenLine xmlns="" xmlns:a14="http://schemas.microsoft.com/office/drawing/2010/main" w="9525">
+                <a14:hiddenLine xmlns:a14="http://schemas.microsoft.com/office/drawing/2010/main" xmlns="" w="9525">
                   <a:solidFill>
                     <a:srgbClr val="000000"/>
                   </a:solidFill>
@@ -879,7 +880,7 @@
             </a:ln>
             <a:extLst>
               <a:ext uri="{91240B29-F687-4f45-9708-019B960494DF}">
-                <a14:hiddenLine xmlns="" xmlns:a14="http://schemas.microsoft.com/office/drawing/2010/main" w="9525">
+                <a14:hiddenLine xmlns:a14="http://schemas.microsoft.com/office/drawing/2010/main" xmlns="" w="9525">
                   <a:solidFill>
                     <a:srgbClr val="000000"/>
                   </a:solidFill>
@@ -969,7 +970,7 @@
             </a:ln>
             <a:extLst>
               <a:ext uri="{91240B29-F687-4f45-9708-019B960494DF}">
-                <a14:hiddenLine xmlns="" xmlns:a14="http://schemas.microsoft.com/office/drawing/2010/main" w="9525">
+                <a14:hiddenLine xmlns:a14="http://schemas.microsoft.com/office/drawing/2010/main" xmlns="" w="9525">
                   <a:solidFill>
                     <a:srgbClr val="000000"/>
                   </a:solidFill>
@@ -1059,7 +1060,7 @@
             </a:ln>
             <a:extLst>
               <a:ext uri="{91240B29-F687-4f45-9708-019B960494DF}">
-                <a14:hiddenLine xmlns="" xmlns:a14="http://schemas.microsoft.com/office/drawing/2010/main" w="9525">
+                <a14:hiddenLine xmlns:a14="http://schemas.microsoft.com/office/drawing/2010/main" xmlns="" w="9525">
                   <a:solidFill>
                     <a:srgbClr val="000000"/>
                   </a:solidFill>
@@ -1121,7 +1122,7 @@
             </a:ln>
             <a:extLst>
               <a:ext uri="{91240B29-F687-4f45-9708-019B960494DF}">
-                <a14:hiddenLine xmlns="" xmlns:a14="http://schemas.microsoft.com/office/drawing/2010/main" w="9525">
+                <a14:hiddenLine xmlns:a14="http://schemas.microsoft.com/office/drawing/2010/main" xmlns="" w="9525">
                   <a:solidFill>
                     <a:srgbClr val="000000"/>
                   </a:solidFill>
@@ -1231,7 +1232,7 @@
             </a:ln>
             <a:extLst>
               <a:ext uri="{91240B29-F687-4f45-9708-019B960494DF}">
-                <a14:hiddenLine xmlns="" xmlns:a14="http://schemas.microsoft.com/office/drawing/2010/main" w="9525">
+                <a14:hiddenLine xmlns:a14="http://schemas.microsoft.com/office/drawing/2010/main" xmlns="" w="9525">
                   <a:solidFill>
                     <a:srgbClr val="000000"/>
                   </a:solidFill>
@@ -1293,7 +1294,7 @@
             </a:ln>
             <a:extLst>
               <a:ext uri="{91240B29-F687-4f45-9708-019B960494DF}">
-                <a14:hiddenLine xmlns="" xmlns:a14="http://schemas.microsoft.com/office/drawing/2010/main" w="9525">
+                <a14:hiddenLine xmlns:a14="http://schemas.microsoft.com/office/drawing/2010/main" xmlns="" w="9525">
                   <a:solidFill>
                     <a:srgbClr val="000000"/>
                   </a:solidFill>
@@ -1383,7 +1384,7 @@
             </a:ln>
             <a:extLst>
               <a:ext uri="{91240B29-F687-4f45-9708-019B960494DF}">
-                <a14:hiddenLine xmlns="" xmlns:a14="http://schemas.microsoft.com/office/drawing/2010/main" w="9525">
+                <a14:hiddenLine xmlns:a14="http://schemas.microsoft.com/office/drawing/2010/main" xmlns="" w="9525">
                   <a:solidFill>
                     <a:srgbClr val="000000"/>
                   </a:solidFill>
@@ -1473,7 +1474,7 @@
             </a:ln>
             <a:extLst>
               <a:ext uri="{91240B29-F687-4f45-9708-019B960494DF}">
-                <a14:hiddenLine xmlns="" xmlns:a14="http://schemas.microsoft.com/office/drawing/2010/main" w="9525">
+                <a14:hiddenLine xmlns:a14="http://schemas.microsoft.com/office/drawing/2010/main" xmlns="" w="9525">
                   <a:solidFill>
                     <a:srgbClr val="000000"/>
                   </a:solidFill>
@@ -1535,7 +1536,7 @@
             </a:ln>
             <a:extLst>
               <a:ext uri="{91240B29-F687-4f45-9708-019B960494DF}">
-                <a14:hiddenLine xmlns="" xmlns:a14="http://schemas.microsoft.com/office/drawing/2010/main" w="9525">
+                <a14:hiddenLine xmlns:a14="http://schemas.microsoft.com/office/drawing/2010/main" xmlns="" w="9525">
                   <a:solidFill>
                     <a:srgbClr val="000000"/>
                   </a:solidFill>
@@ -1625,7 +1626,7 @@
             </a:ln>
             <a:extLst>
               <a:ext uri="{91240B29-F687-4f45-9708-019B960494DF}">
-                <a14:hiddenLine xmlns="" xmlns:a14="http://schemas.microsoft.com/office/drawing/2010/main" w="9525">
+                <a14:hiddenLine xmlns:a14="http://schemas.microsoft.com/office/drawing/2010/main" xmlns="" w="9525">
                   <a:solidFill>
                     <a:srgbClr val="000000"/>
                   </a:solidFill>
@@ -1715,7 +1716,7 @@
             </a:ln>
             <a:extLst>
               <a:ext uri="{91240B29-F687-4f45-9708-019B960494DF}">
-                <a14:hiddenLine xmlns="" xmlns:a14="http://schemas.microsoft.com/office/drawing/2010/main" w="9525">
+                <a14:hiddenLine xmlns:a14="http://schemas.microsoft.com/office/drawing/2010/main" xmlns="" w="9525">
                   <a:solidFill>
                     <a:srgbClr val="000000"/>
                   </a:solidFill>
@@ -1771,7 +1772,7 @@
             </a:ln>
             <a:extLst>
               <a:ext uri="{91240B29-F687-4f45-9708-019B960494DF}">
-                <a14:hiddenLine xmlns="" xmlns:a14="http://schemas.microsoft.com/office/drawing/2010/main" w="9525">
+                <a14:hiddenLine xmlns:a14="http://schemas.microsoft.com/office/drawing/2010/main" xmlns="" w="9525">
                   <a:solidFill>
                     <a:srgbClr val="000000"/>
                   </a:solidFill>
@@ -1861,7 +1862,7 @@
             </a:ln>
             <a:extLst>
               <a:ext uri="{91240B29-F687-4f45-9708-019B960494DF}">
-                <a14:hiddenLine xmlns="" xmlns:a14="http://schemas.microsoft.com/office/drawing/2010/main" w="9525">
+                <a14:hiddenLine xmlns:a14="http://schemas.microsoft.com/office/drawing/2010/main" xmlns="" w="9525">
                   <a:solidFill>
                     <a:srgbClr val="000000"/>
                   </a:solidFill>
@@ -1917,7 +1918,7 @@
             </a:ln>
             <a:extLst>
               <a:ext uri="{91240B29-F687-4f45-9708-019B960494DF}">
-                <a14:hiddenLine xmlns="" xmlns:a14="http://schemas.microsoft.com/office/drawing/2010/main" w="9525">
+                <a14:hiddenLine xmlns:a14="http://schemas.microsoft.com/office/drawing/2010/main" xmlns="" w="9525">
                   <a:solidFill>
                     <a:srgbClr val="000000"/>
                   </a:solidFill>
@@ -2007,7 +2008,7 @@
             </a:ln>
             <a:extLst>
               <a:ext uri="{91240B29-F687-4f45-9708-019B960494DF}">
-                <a14:hiddenLine xmlns="" xmlns:a14="http://schemas.microsoft.com/office/drawing/2010/main" w="9525">
+                <a14:hiddenLine xmlns:a14="http://schemas.microsoft.com/office/drawing/2010/main" xmlns="" w="9525">
                   <a:solidFill>
                     <a:srgbClr val="000000"/>
                   </a:solidFill>
@@ -2075,7 +2076,7 @@
             </a:ln>
             <a:extLst>
               <a:ext uri="{91240B29-F687-4f45-9708-019B960494DF}">
-                <a14:hiddenLine xmlns="" xmlns:a14="http://schemas.microsoft.com/office/drawing/2010/main" w="9525">
+                <a14:hiddenLine xmlns:a14="http://schemas.microsoft.com/office/drawing/2010/main" xmlns="" w="9525">
                   <a:solidFill>
                     <a:srgbClr val="000000"/>
                   </a:solidFill>
@@ -2165,7 +2166,7 @@
             </a:ln>
             <a:extLst>
               <a:ext uri="{91240B29-F687-4f45-9708-019B960494DF}">
-                <a14:hiddenLine xmlns="" xmlns:a14="http://schemas.microsoft.com/office/drawing/2010/main" w="9525">
+                <a14:hiddenLine xmlns:a14="http://schemas.microsoft.com/office/drawing/2010/main" xmlns="" w="9525">
                   <a:solidFill>
                     <a:srgbClr val="000000"/>
                   </a:solidFill>
@@ -2233,7 +2234,7 @@
             </a:ln>
             <a:extLst>
               <a:ext uri="{91240B29-F687-4f45-9708-019B960494DF}">
-                <a14:hiddenLine xmlns="" xmlns:a14="http://schemas.microsoft.com/office/drawing/2010/main" w="9525">
+                <a14:hiddenLine xmlns:a14="http://schemas.microsoft.com/office/drawing/2010/main" xmlns="" w="9525">
                   <a:solidFill>
                     <a:srgbClr val="000000"/>
                   </a:solidFill>
@@ -2323,7 +2324,7 @@
             </a:ln>
             <a:extLst>
               <a:ext uri="{91240B29-F687-4f45-9708-019B960494DF}">
-                <a14:hiddenLine xmlns="" xmlns:a14="http://schemas.microsoft.com/office/drawing/2010/main" w="9525">
+                <a14:hiddenLine xmlns:a14="http://schemas.microsoft.com/office/drawing/2010/main" xmlns="" w="9525">
                   <a:solidFill>
                     <a:srgbClr val="000000"/>
                   </a:solidFill>
@@ -2357,7 +2358,7 @@
             </a:ln>
             <a:extLst>
               <a:ext uri="{91240B29-F687-4f45-9708-019B960494DF}">
-                <a14:hiddenLine xmlns="" xmlns:a14="http://schemas.microsoft.com/office/drawing/2010/main" w="9525">
+                <a14:hiddenLine xmlns:a14="http://schemas.microsoft.com/office/drawing/2010/main" xmlns="" w="9525">
                   <a:solidFill>
                     <a:srgbClr val="000000"/>
                   </a:solidFill>
@@ -2447,7 +2448,7 @@
             </a:ln>
             <a:extLst>
               <a:ext uri="{91240B29-F687-4f45-9708-019B960494DF}">
-                <a14:hiddenLine xmlns="" xmlns:a14="http://schemas.microsoft.com/office/drawing/2010/main" w="9525">
+                <a14:hiddenLine xmlns:a14="http://schemas.microsoft.com/office/drawing/2010/main" xmlns="" w="9525">
                   <a:solidFill>
                     <a:srgbClr val="000000"/>
                   </a:solidFill>
@@ -2509,7 +2510,7 @@
             </a:ln>
             <a:extLst>
               <a:ext uri="{91240B29-F687-4f45-9708-019B960494DF}">
-                <a14:hiddenLine xmlns="" xmlns:a14="http://schemas.microsoft.com/office/drawing/2010/main" w="9525">
+                <a14:hiddenLine xmlns:a14="http://schemas.microsoft.com/office/drawing/2010/main" xmlns="" w="9525">
                   <a:solidFill>
                     <a:srgbClr val="000000"/>
                   </a:solidFill>
@@ -2571,7 +2572,7 @@
             </a:ln>
             <a:extLst>
               <a:ext uri="{91240B29-F687-4f45-9708-019B960494DF}">
-                <a14:hiddenLine xmlns="" xmlns:a14="http://schemas.microsoft.com/office/drawing/2010/main" w="9525">
+                <a14:hiddenLine xmlns:a14="http://schemas.microsoft.com/office/drawing/2010/main" xmlns="" w="9525">
                   <a:solidFill>
                     <a:srgbClr val="000000"/>
                   </a:solidFill>
@@ -2661,7 +2662,7 @@
             </a:ln>
             <a:extLst>
               <a:ext uri="{91240B29-F687-4f45-9708-019B960494DF}">
-                <a14:hiddenLine xmlns="" xmlns:a14="http://schemas.microsoft.com/office/drawing/2010/main" w="9525">
+                <a14:hiddenLine xmlns:a14="http://schemas.microsoft.com/office/drawing/2010/main" xmlns="" w="9525">
                   <a:solidFill>
                     <a:srgbClr val="000000"/>
                   </a:solidFill>
@@ -2729,7 +2730,7 @@
             </a:ln>
             <a:extLst>
               <a:ext uri="{91240B29-F687-4f45-9708-019B960494DF}">
-                <a14:hiddenLine xmlns="" xmlns:a14="http://schemas.microsoft.com/office/drawing/2010/main" w="9525">
+                <a14:hiddenLine xmlns:a14="http://schemas.microsoft.com/office/drawing/2010/main" xmlns="" w="9525">
                   <a:solidFill>
                     <a:srgbClr val="000000"/>
                   </a:solidFill>
@@ -2791,7 +2792,7 @@
             </a:ln>
             <a:extLst>
               <a:ext uri="{91240B29-F687-4f45-9708-019B960494DF}">
-                <a14:hiddenLine xmlns="" xmlns:a14="http://schemas.microsoft.com/office/drawing/2010/main" w="9525">
+                <a14:hiddenLine xmlns:a14="http://schemas.microsoft.com/office/drawing/2010/main" xmlns="" w="9525">
                   <a:solidFill>
                     <a:srgbClr val="000000"/>
                   </a:solidFill>
@@ -2881,7 +2882,7 @@
             </a:ln>
             <a:extLst>
               <a:ext uri="{91240B29-F687-4f45-9708-019B960494DF}">
-                <a14:hiddenLine xmlns="" xmlns:a14="http://schemas.microsoft.com/office/drawing/2010/main" w="9525">
+                <a14:hiddenLine xmlns:a14="http://schemas.microsoft.com/office/drawing/2010/main" xmlns="" w="9525">
                   <a:solidFill>
                     <a:srgbClr val="000000"/>
                   </a:solidFill>
@@ -2943,7 +2944,7 @@
             </a:ln>
             <a:extLst>
               <a:ext uri="{91240B29-F687-4f45-9708-019B960494DF}">
-                <a14:hiddenLine xmlns="" xmlns:a14="http://schemas.microsoft.com/office/drawing/2010/main" w="9525">
+                <a14:hiddenLine xmlns:a14="http://schemas.microsoft.com/office/drawing/2010/main" xmlns="" w="9525">
                   <a:solidFill>
                     <a:srgbClr val="000000"/>
                   </a:solidFill>
@@ -3033,7 +3034,7 @@
             </a:ln>
             <a:extLst>
               <a:ext uri="{91240B29-F687-4f45-9708-019B960494DF}">
-                <a14:hiddenLine xmlns="" xmlns:a14="http://schemas.microsoft.com/office/drawing/2010/main" w="9525">
+                <a14:hiddenLine xmlns:a14="http://schemas.microsoft.com/office/drawing/2010/main" xmlns="" w="9525">
                   <a:solidFill>
                     <a:srgbClr val="000000"/>
                   </a:solidFill>
@@ -3095,7 +3096,7 @@
             </a:ln>
             <a:extLst>
               <a:ext uri="{91240B29-F687-4f45-9708-019B960494DF}">
-                <a14:hiddenLine xmlns="" xmlns:a14="http://schemas.microsoft.com/office/drawing/2010/main" w="9525">
+                <a14:hiddenLine xmlns:a14="http://schemas.microsoft.com/office/drawing/2010/main" xmlns="" w="9525">
                   <a:solidFill>
                     <a:srgbClr val="000000"/>
                   </a:solidFill>
@@ -3185,7 +3186,7 @@
             </a:ln>
             <a:extLst>
               <a:ext uri="{91240B29-F687-4f45-9708-019B960494DF}">
-                <a14:hiddenLine xmlns="" xmlns:a14="http://schemas.microsoft.com/office/drawing/2010/main" w="9525">
+                <a14:hiddenLine xmlns:a14="http://schemas.microsoft.com/office/drawing/2010/main" xmlns="" w="9525">
                   <a:solidFill>
                     <a:srgbClr val="000000"/>
                   </a:solidFill>
@@ -3219,7 +3220,7 @@
             </a:ln>
             <a:extLst>
               <a:ext uri="{91240B29-F687-4f45-9708-019B960494DF}">
-                <a14:hiddenLine xmlns="" xmlns:a14="http://schemas.microsoft.com/office/drawing/2010/main" w="9525">
+                <a14:hiddenLine xmlns:a14="http://schemas.microsoft.com/office/drawing/2010/main" xmlns="" w="9525">
                   <a:solidFill>
                     <a:srgbClr val="000000"/>
                   </a:solidFill>
@@ -3284,7 +3285,7 @@
             </a:ln>
             <a:extLst>
               <a:ext uri="{91240B29-F687-4f45-9708-019B960494DF}">
-                <a14:hiddenLine xmlns="" xmlns:a14="http://schemas.microsoft.com/office/drawing/2010/main" w="9525">
+                <a14:hiddenLine xmlns:a14="http://schemas.microsoft.com/office/drawing/2010/main" xmlns="" w="9525">
                   <a:solidFill>
                     <a:srgbClr val="000000"/>
                   </a:solidFill>
@@ -3374,7 +3375,7 @@
             </a:ln>
             <a:extLst>
               <a:ext uri="{91240B29-F687-4f45-9708-019B960494DF}">
-                <a14:hiddenLine xmlns="" xmlns:a14="http://schemas.microsoft.com/office/drawing/2010/main" w="9525">
+                <a14:hiddenLine xmlns:a14="http://schemas.microsoft.com/office/drawing/2010/main" xmlns="" w="9525">
                   <a:solidFill>
                     <a:srgbClr val="000000"/>
                   </a:solidFill>
@@ -3436,7 +3437,7 @@
             </a:ln>
             <a:extLst>
               <a:ext uri="{91240B29-F687-4f45-9708-019B960494DF}">
-                <a14:hiddenLine xmlns="" xmlns:a14="http://schemas.microsoft.com/office/drawing/2010/main" w="9525">
+                <a14:hiddenLine xmlns:a14="http://schemas.microsoft.com/office/drawing/2010/main" xmlns="" w="9525">
                   <a:solidFill>
                     <a:srgbClr val="000000"/>
                   </a:solidFill>
@@ -3526,7 +3527,7 @@
             </a:ln>
             <a:extLst>
               <a:ext uri="{91240B29-F687-4f45-9708-019B960494DF}">
-                <a14:hiddenLine xmlns="" xmlns:a14="http://schemas.microsoft.com/office/drawing/2010/main" w="9525">
+                <a14:hiddenLine xmlns:a14="http://schemas.microsoft.com/office/drawing/2010/main" xmlns="" w="9525">
                   <a:solidFill>
                     <a:srgbClr val="000000"/>
                   </a:solidFill>
@@ -3616,7 +3617,7 @@
             </a:ln>
             <a:extLst>
               <a:ext uri="{91240B29-F687-4f45-9708-019B960494DF}">
-                <a14:hiddenLine xmlns="" xmlns:a14="http://schemas.microsoft.com/office/drawing/2010/main" w="9525">
+                <a14:hiddenLine xmlns:a14="http://schemas.microsoft.com/office/drawing/2010/main" xmlns="" w="9525">
                   <a:solidFill>
                     <a:srgbClr val="000000"/>
                   </a:solidFill>
@@ -3681,7 +3682,7 @@
             </a:ln>
             <a:extLst>
               <a:ext uri="{91240B29-F687-4f45-9708-019B960494DF}">
-                <a14:hiddenLine xmlns="" xmlns:a14="http://schemas.microsoft.com/office/drawing/2010/main" w="9525">
+                <a14:hiddenLine xmlns:a14="http://schemas.microsoft.com/office/drawing/2010/main" xmlns="" w="9525">
                   <a:solidFill>
                     <a:srgbClr val="000000"/>
                   </a:solidFill>
@@ -3743,7 +3744,7 @@
             </a:ln>
             <a:extLst>
               <a:ext uri="{91240B29-F687-4f45-9708-019B960494DF}">
-                <a14:hiddenLine xmlns="" xmlns:a14="http://schemas.microsoft.com/office/drawing/2010/main" w="9525">
+                <a14:hiddenLine xmlns:a14="http://schemas.microsoft.com/office/drawing/2010/main" xmlns="" w="9525">
                   <a:solidFill>
                     <a:srgbClr val="000000"/>
                   </a:solidFill>
@@ -3833,7 +3834,7 @@
             </a:ln>
             <a:extLst>
               <a:ext uri="{91240B29-F687-4f45-9708-019B960494DF}">
-                <a14:hiddenLine xmlns="" xmlns:a14="http://schemas.microsoft.com/office/drawing/2010/main" w="9525">
+                <a14:hiddenLine xmlns:a14="http://schemas.microsoft.com/office/drawing/2010/main" xmlns="" w="9525">
                   <a:solidFill>
                     <a:srgbClr val="000000"/>
                   </a:solidFill>
@@ -3923,7 +3924,7 @@
             </a:ln>
             <a:extLst>
               <a:ext uri="{91240B29-F687-4f45-9708-019B960494DF}">
-                <a14:hiddenLine xmlns="" xmlns:a14="http://schemas.microsoft.com/office/drawing/2010/main" w="9525">
+                <a14:hiddenLine xmlns:a14="http://schemas.microsoft.com/office/drawing/2010/main" xmlns="" w="9525">
                   <a:solidFill>
                     <a:srgbClr val="000000"/>
                   </a:solidFill>
@@ -3985,7 +3986,7 @@
             </a:ln>
             <a:extLst>
               <a:ext uri="{91240B29-F687-4f45-9708-019B960494DF}">
-                <a14:hiddenLine xmlns="" xmlns:a14="http://schemas.microsoft.com/office/drawing/2010/main" w="9525">
+                <a14:hiddenLine xmlns:a14="http://schemas.microsoft.com/office/drawing/2010/main" xmlns="" w="9525">
                   <a:solidFill>
                     <a:srgbClr val="000000"/>
                   </a:solidFill>
@@ -4105,7 +4106,7 @@
             </a:ln>
             <a:extLst>
               <a:ext uri="{91240B29-F687-4f45-9708-019B960494DF}">
-                <a14:hiddenLine xmlns="" xmlns:a14="http://schemas.microsoft.com/office/drawing/2010/main" w="9525">
+                <a14:hiddenLine xmlns:a14="http://schemas.microsoft.com/office/drawing/2010/main" xmlns="" w="9525">
                   <a:solidFill>
                     <a:srgbClr val="000000"/>
                   </a:solidFill>
@@ -4173,7 +4174,7 @@
             </a:ln>
             <a:extLst>
               <a:ext uri="{91240B29-F687-4f45-9708-019B960494DF}">
-                <a14:hiddenLine xmlns="" xmlns:a14="http://schemas.microsoft.com/office/drawing/2010/main" w="9525">
+                <a14:hiddenLine xmlns:a14="http://schemas.microsoft.com/office/drawing/2010/main" xmlns="" w="9525">
                   <a:solidFill>
                     <a:srgbClr val="000000"/>
                   </a:solidFill>
@@ -4263,7 +4264,7 @@
             </a:ln>
             <a:extLst>
               <a:ext uri="{91240B29-F687-4f45-9708-019B960494DF}">
-                <a14:hiddenLine xmlns="" xmlns:a14="http://schemas.microsoft.com/office/drawing/2010/main" w="9525">
+                <a14:hiddenLine xmlns:a14="http://schemas.microsoft.com/office/drawing/2010/main" xmlns="" w="9525">
                   <a:solidFill>
                     <a:srgbClr val="000000"/>
                   </a:solidFill>
@@ -4466,7 +4467,7 @@
     </p:spTree>
     <p:extLst>
       <p:ext uri="{BB962C8B-B14F-4D97-AF65-F5344CB8AC3E}">
-        <p14:creationId xmlns="" xmlns:p14="http://schemas.microsoft.com/office/powerpoint/2010/main" val="1982295110"/>
+        <p14:creationId xmlns:p14="http://schemas.microsoft.com/office/powerpoint/2010/main" xmlns="" val="1982295110"/>
       </p:ext>
     </p:extLst>
   </p:cSld>
@@ -4725,7 +4726,7 @@
     </p:spTree>
     <p:extLst>
       <p:ext uri="{BB962C8B-B14F-4D97-AF65-F5344CB8AC3E}">
-        <p14:creationId xmlns="" xmlns:p14="http://schemas.microsoft.com/office/powerpoint/2010/main" val="3036496595"/>
+        <p14:creationId xmlns:p14="http://schemas.microsoft.com/office/powerpoint/2010/main" xmlns="" val="3036496595"/>
       </p:ext>
     </p:extLst>
   </p:cSld>
@@ -4923,7 +4924,7 @@
     </p:spTree>
     <p:extLst>
       <p:ext uri="{BB962C8B-B14F-4D97-AF65-F5344CB8AC3E}">
-        <p14:creationId xmlns="" xmlns:p14="http://schemas.microsoft.com/office/powerpoint/2010/main" val="1114048449"/>
+        <p14:creationId xmlns:p14="http://schemas.microsoft.com/office/powerpoint/2010/main" xmlns="" val="1114048449"/>
       </p:ext>
     </p:extLst>
   </p:cSld>
@@ -5426,7 +5427,7 @@
     </p:spTree>
     <p:extLst>
       <p:ext uri="{BB962C8B-B14F-4D97-AF65-F5344CB8AC3E}">
-        <p14:creationId xmlns="" xmlns:p14="http://schemas.microsoft.com/office/powerpoint/2010/main" val="3232105145"/>
+        <p14:creationId xmlns:p14="http://schemas.microsoft.com/office/powerpoint/2010/main" xmlns="" val="3232105145"/>
       </p:ext>
     </p:extLst>
   </p:cSld>
@@ -5624,7 +5625,7 @@
     </p:spTree>
     <p:extLst>
       <p:ext uri="{BB962C8B-B14F-4D97-AF65-F5344CB8AC3E}">
-        <p14:creationId xmlns="" xmlns:p14="http://schemas.microsoft.com/office/powerpoint/2010/main" val="2499161242"/>
+        <p14:creationId xmlns:p14="http://schemas.microsoft.com/office/powerpoint/2010/main" xmlns="" val="2499161242"/>
       </p:ext>
     </p:extLst>
   </p:cSld>
@@ -6172,7 +6173,7 @@
     </p:spTree>
     <p:extLst>
       <p:ext uri="{BB962C8B-B14F-4D97-AF65-F5344CB8AC3E}">
-        <p14:creationId xmlns="" xmlns:p14="http://schemas.microsoft.com/office/powerpoint/2010/main" val="415171422"/>
+        <p14:creationId xmlns:p14="http://schemas.microsoft.com/office/powerpoint/2010/main" xmlns="" val="415171422"/>
       </p:ext>
     </p:extLst>
   </p:cSld>
@@ -6894,7 +6895,7 @@
     </p:spTree>
     <p:extLst>
       <p:ext uri="{BB962C8B-B14F-4D97-AF65-F5344CB8AC3E}">
-        <p14:creationId xmlns="" xmlns:p14="http://schemas.microsoft.com/office/powerpoint/2010/main" val="3080505201"/>
+        <p14:creationId xmlns:p14="http://schemas.microsoft.com/office/powerpoint/2010/main" xmlns="" val="3080505201"/>
       </p:ext>
     </p:extLst>
   </p:cSld>
@@ -7066,7 +7067,7 @@
     </p:spTree>
     <p:extLst>
       <p:ext uri="{BB962C8B-B14F-4D97-AF65-F5344CB8AC3E}">
-        <p14:creationId xmlns="" xmlns:p14="http://schemas.microsoft.com/office/powerpoint/2010/main" val="110806393"/>
+        <p14:creationId xmlns:p14="http://schemas.microsoft.com/office/powerpoint/2010/main" xmlns="" val="110806393"/>
       </p:ext>
     </p:extLst>
   </p:cSld>
@@ -7248,7 +7249,7 @@
     </p:spTree>
     <p:extLst>
       <p:ext uri="{BB962C8B-B14F-4D97-AF65-F5344CB8AC3E}">
-        <p14:creationId xmlns="" xmlns:p14="http://schemas.microsoft.com/office/powerpoint/2010/main" val="1434236473"/>
+        <p14:creationId xmlns:p14="http://schemas.microsoft.com/office/powerpoint/2010/main" xmlns="" val="1434236473"/>
       </p:ext>
     </p:extLst>
   </p:cSld>
@@ -7501,7 +7502,7 @@
     </p:spTree>
     <p:extLst>
       <p:ext uri="{BB962C8B-B14F-4D97-AF65-F5344CB8AC3E}">
-        <p14:creationId xmlns="" xmlns:p14="http://schemas.microsoft.com/office/powerpoint/2010/main" val="1942276232"/>
+        <p14:creationId xmlns:p14="http://schemas.microsoft.com/office/powerpoint/2010/main" xmlns="" val="1942276232"/>
       </p:ext>
     </p:extLst>
   </p:cSld>
@@ -7673,7 +7674,7 @@
     </p:spTree>
     <p:extLst>
       <p:ext uri="{BB962C8B-B14F-4D97-AF65-F5344CB8AC3E}">
-        <p14:creationId xmlns="" xmlns:p14="http://schemas.microsoft.com/office/powerpoint/2010/main" val="3575094765"/>
+        <p14:creationId xmlns:p14="http://schemas.microsoft.com/office/powerpoint/2010/main" xmlns="" val="3575094765"/>
       </p:ext>
     </p:extLst>
   </p:cSld>
@@ -7925,7 +7926,7 @@
     </p:spTree>
     <p:extLst>
       <p:ext uri="{BB962C8B-B14F-4D97-AF65-F5344CB8AC3E}">
-        <p14:creationId xmlns="" xmlns:p14="http://schemas.microsoft.com/office/powerpoint/2010/main" val="237325941"/>
+        <p14:creationId xmlns:p14="http://schemas.microsoft.com/office/powerpoint/2010/main" xmlns="" val="237325941"/>
       </p:ext>
     </p:extLst>
   </p:cSld>
@@ -8159,7 +8160,7 @@
     </p:spTree>
     <p:extLst>
       <p:ext uri="{BB962C8B-B14F-4D97-AF65-F5344CB8AC3E}">
-        <p14:creationId xmlns="" xmlns:p14="http://schemas.microsoft.com/office/powerpoint/2010/main" val="3791763412"/>
+        <p14:creationId xmlns:p14="http://schemas.microsoft.com/office/powerpoint/2010/main" xmlns="" val="3791763412"/>
       </p:ext>
     </p:extLst>
   </p:cSld>
@@ -8542,7 +8543,7 @@
     </p:spTree>
     <p:extLst>
       <p:ext uri="{BB962C8B-B14F-4D97-AF65-F5344CB8AC3E}">
-        <p14:creationId xmlns="" xmlns:p14="http://schemas.microsoft.com/office/powerpoint/2010/main" val="2018599129"/>
+        <p14:creationId xmlns:p14="http://schemas.microsoft.com/office/powerpoint/2010/main" xmlns="" val="2018599129"/>
       </p:ext>
     </p:extLst>
   </p:cSld>
@@ -8662,7 +8663,7 @@
     </p:spTree>
     <p:extLst>
       <p:ext uri="{BB962C8B-B14F-4D97-AF65-F5344CB8AC3E}">
-        <p14:creationId xmlns="" xmlns:p14="http://schemas.microsoft.com/office/powerpoint/2010/main" val="1927951798"/>
+        <p14:creationId xmlns:p14="http://schemas.microsoft.com/office/powerpoint/2010/main" xmlns="" val="1927951798"/>
       </p:ext>
     </p:extLst>
   </p:cSld>
@@ -8759,7 +8760,7 @@
     </p:spTree>
     <p:extLst>
       <p:ext uri="{BB962C8B-B14F-4D97-AF65-F5344CB8AC3E}">
-        <p14:creationId xmlns="" xmlns:p14="http://schemas.microsoft.com/office/powerpoint/2010/main" val="2750080003"/>
+        <p14:creationId xmlns:p14="http://schemas.microsoft.com/office/powerpoint/2010/main" xmlns="" val="2750080003"/>
       </p:ext>
     </p:extLst>
   </p:cSld>
@@ -9010,7 +9011,7 @@
     </p:spTree>
     <p:extLst>
       <p:ext uri="{BB962C8B-B14F-4D97-AF65-F5344CB8AC3E}">
-        <p14:creationId xmlns="" xmlns:p14="http://schemas.microsoft.com/office/powerpoint/2010/main" val="1487060503"/>
+        <p14:creationId xmlns:p14="http://schemas.microsoft.com/office/powerpoint/2010/main" xmlns="" val="1487060503"/>
       </p:ext>
     </p:extLst>
   </p:cSld>
@@ -9292,7 +9293,7 @@
     </p:spTree>
     <p:extLst>
       <p:ext uri="{BB962C8B-B14F-4D97-AF65-F5344CB8AC3E}">
-        <p14:creationId xmlns="" xmlns:p14="http://schemas.microsoft.com/office/powerpoint/2010/main" val="2484627809"/>
+        <p14:creationId xmlns:p14="http://schemas.microsoft.com/office/powerpoint/2010/main" xmlns="" val="2484627809"/>
       </p:ext>
     </p:extLst>
   </p:cSld>
@@ -9337,7 +9338,7 @@
             <a:alphaModFix amt="30000"/>
             <a:extLst>
               <a:ext uri="{28A0092B-C50C-407E-A947-70E740481C1C}">
-                <a14:useLocalDpi xmlns="" xmlns:a14="http://schemas.microsoft.com/office/drawing/2010/main" val="0"/>
+                <a14:useLocalDpi xmlns:a14="http://schemas.microsoft.com/office/drawing/2010/main" xmlns="" val="0"/>
               </a:ext>
             </a:extLst>
           </a:blip>
@@ -9357,7 +9358,7 @@
           <a:noFill/>
           <a:extLst>
             <a:ext uri="{909E8E84-426E-40dd-AFC4-6F175D3DCCD1}">
-              <a14:hiddenFill xmlns="" xmlns:a14="http://schemas.microsoft.com/office/drawing/2010/main">
+              <a14:hiddenFill xmlns:a14="http://schemas.microsoft.com/office/drawing/2010/main" xmlns="">
                 <a:solidFill>
                   <a:srgbClr val="FFFFFF"/>
                 </a:solidFill>
@@ -9431,7 +9432,7 @@
               </a:ln>
               <a:extLst>
                 <a:ext uri="{91240B29-F687-4f45-9708-019B960494DF}">
-                  <a14:hiddenLine xmlns="" xmlns:a14="http://schemas.microsoft.com/office/drawing/2010/main" w="9525">
+                  <a14:hiddenLine xmlns:a14="http://schemas.microsoft.com/office/drawing/2010/main" xmlns="" w="9525">
                     <a:solidFill>
                       <a:srgbClr val="000000"/>
                     </a:solidFill>
@@ -9521,7 +9522,7 @@
               </a:ln>
               <a:extLst>
                 <a:ext uri="{91240B29-F687-4f45-9708-019B960494DF}">
-                  <a14:hiddenLine xmlns="" xmlns:a14="http://schemas.microsoft.com/office/drawing/2010/main" w="9525">
+                  <a14:hiddenLine xmlns:a14="http://schemas.microsoft.com/office/drawing/2010/main" xmlns="" w="9525">
                     <a:solidFill>
                       <a:srgbClr val="000000"/>
                     </a:solidFill>
@@ -9611,7 +9612,7 @@
               </a:ln>
               <a:extLst>
                 <a:ext uri="{91240B29-F687-4f45-9708-019B960494DF}">
-                  <a14:hiddenLine xmlns="" xmlns:a14="http://schemas.microsoft.com/office/drawing/2010/main" w="9525">
+                  <a14:hiddenLine xmlns:a14="http://schemas.microsoft.com/office/drawing/2010/main" xmlns="" w="9525">
                     <a:solidFill>
                       <a:srgbClr val="000000"/>
                     </a:solidFill>
@@ -9673,7 +9674,7 @@
               </a:ln>
               <a:extLst>
                 <a:ext uri="{91240B29-F687-4f45-9708-019B960494DF}">
-                  <a14:hiddenLine xmlns="" xmlns:a14="http://schemas.microsoft.com/office/drawing/2010/main" w="9525">
+                  <a14:hiddenLine xmlns:a14="http://schemas.microsoft.com/office/drawing/2010/main" xmlns="" w="9525">
                     <a:solidFill>
                       <a:srgbClr val="000000"/>
                     </a:solidFill>
@@ -9763,7 +9764,7 @@
               </a:ln>
               <a:extLst>
                 <a:ext uri="{91240B29-F687-4f45-9708-019B960494DF}">
-                  <a14:hiddenLine xmlns="" xmlns:a14="http://schemas.microsoft.com/office/drawing/2010/main" w="9525">
+                  <a14:hiddenLine xmlns:a14="http://schemas.microsoft.com/office/drawing/2010/main" xmlns="" w="9525">
                     <a:solidFill>
                       <a:srgbClr val="000000"/>
                     </a:solidFill>
@@ -9825,7 +9826,7 @@
               </a:ln>
               <a:extLst>
                 <a:ext uri="{91240B29-F687-4f45-9708-019B960494DF}">
-                  <a14:hiddenLine xmlns="" xmlns:a14="http://schemas.microsoft.com/office/drawing/2010/main" w="9525">
+                  <a14:hiddenLine xmlns:a14="http://schemas.microsoft.com/office/drawing/2010/main" xmlns="" w="9525">
                     <a:solidFill>
                       <a:srgbClr val="000000"/>
                     </a:solidFill>
@@ -9887,7 +9888,7 @@
               </a:ln>
               <a:extLst>
                 <a:ext uri="{91240B29-F687-4f45-9708-019B960494DF}">
-                  <a14:hiddenLine xmlns="" xmlns:a14="http://schemas.microsoft.com/office/drawing/2010/main" w="9525">
+                  <a14:hiddenLine xmlns:a14="http://schemas.microsoft.com/office/drawing/2010/main" xmlns="" w="9525">
                     <a:solidFill>
                       <a:srgbClr val="000000"/>
                     </a:solidFill>
@@ -9977,7 +9978,7 @@
               </a:ln>
               <a:extLst>
                 <a:ext uri="{91240B29-F687-4f45-9708-019B960494DF}">
-                  <a14:hiddenLine xmlns="" xmlns:a14="http://schemas.microsoft.com/office/drawing/2010/main" w="9525">
+                  <a14:hiddenLine xmlns:a14="http://schemas.microsoft.com/office/drawing/2010/main" xmlns="" w="9525">
                     <a:solidFill>
                       <a:srgbClr val="000000"/>
                     </a:solidFill>
@@ -10067,7 +10068,7 @@
               </a:ln>
               <a:extLst>
                 <a:ext uri="{91240B29-F687-4f45-9708-019B960494DF}">
-                  <a14:hiddenLine xmlns="" xmlns:a14="http://schemas.microsoft.com/office/drawing/2010/main" w="9525">
+                  <a14:hiddenLine xmlns:a14="http://schemas.microsoft.com/office/drawing/2010/main" xmlns="" w="9525">
                     <a:solidFill>
                       <a:srgbClr val="000000"/>
                     </a:solidFill>
@@ -10129,7 +10130,7 @@
               </a:ln>
               <a:extLst>
                 <a:ext uri="{91240B29-F687-4f45-9708-019B960494DF}">
-                  <a14:hiddenLine xmlns="" xmlns:a14="http://schemas.microsoft.com/office/drawing/2010/main" w="9525">
+                  <a14:hiddenLine xmlns:a14="http://schemas.microsoft.com/office/drawing/2010/main" xmlns="" w="9525">
                     <a:solidFill>
                       <a:srgbClr val="000000"/>
                     </a:solidFill>
@@ -10239,7 +10240,7 @@
               </a:ln>
               <a:extLst>
                 <a:ext uri="{91240B29-F687-4f45-9708-019B960494DF}">
-                  <a14:hiddenLine xmlns="" xmlns:a14="http://schemas.microsoft.com/office/drawing/2010/main" w="9525">
+                  <a14:hiddenLine xmlns:a14="http://schemas.microsoft.com/office/drawing/2010/main" xmlns="" w="9525">
                     <a:solidFill>
                       <a:srgbClr val="000000"/>
                     </a:solidFill>
@@ -10323,7 +10324,7 @@
               </a:ln>
               <a:extLst>
                 <a:ext uri="{91240B29-F687-4f45-9708-019B960494DF}">
-                  <a14:hiddenLine xmlns="" xmlns:a14="http://schemas.microsoft.com/office/drawing/2010/main" w="9525">
+                  <a14:hiddenLine xmlns:a14="http://schemas.microsoft.com/office/drawing/2010/main" xmlns="" w="9525">
                     <a:solidFill>
                       <a:srgbClr val="000000"/>
                     </a:solidFill>
@@ -10385,7 +10386,7 @@
               </a:ln>
               <a:extLst>
                 <a:ext uri="{91240B29-F687-4f45-9708-019B960494DF}">
-                  <a14:hiddenLine xmlns="" xmlns:a14="http://schemas.microsoft.com/office/drawing/2010/main" w="9525">
+                  <a14:hiddenLine xmlns:a14="http://schemas.microsoft.com/office/drawing/2010/main" xmlns="" w="9525">
                     <a:solidFill>
                       <a:srgbClr val="000000"/>
                     </a:solidFill>
@@ -10447,7 +10448,7 @@
               </a:ln>
               <a:extLst>
                 <a:ext uri="{91240B29-F687-4f45-9708-019B960494DF}">
-                  <a14:hiddenLine xmlns="" xmlns:a14="http://schemas.microsoft.com/office/drawing/2010/main" w="9525">
+                  <a14:hiddenLine xmlns:a14="http://schemas.microsoft.com/office/drawing/2010/main" xmlns="" w="9525">
                     <a:solidFill>
                       <a:srgbClr val="000000"/>
                     </a:solidFill>
@@ -10537,7 +10538,7 @@
               </a:ln>
               <a:extLst>
                 <a:ext uri="{91240B29-F687-4f45-9708-019B960494DF}">
-                  <a14:hiddenLine xmlns="" xmlns:a14="http://schemas.microsoft.com/office/drawing/2010/main" w="9525">
+                  <a14:hiddenLine xmlns:a14="http://schemas.microsoft.com/office/drawing/2010/main" xmlns="" w="9525">
                     <a:solidFill>
                       <a:srgbClr val="000000"/>
                     </a:solidFill>
@@ -10571,7 +10572,7 @@
               </a:ln>
               <a:extLst>
                 <a:ext uri="{91240B29-F687-4f45-9708-019B960494DF}">
-                  <a14:hiddenLine xmlns="" xmlns:a14="http://schemas.microsoft.com/office/drawing/2010/main" w="9525">
+                  <a14:hiddenLine xmlns:a14="http://schemas.microsoft.com/office/drawing/2010/main" xmlns="" w="9525">
                     <a:solidFill>
                       <a:srgbClr val="000000"/>
                     </a:solidFill>
@@ -10636,7 +10637,7 @@
               </a:ln>
               <a:extLst>
                 <a:ext uri="{91240B29-F687-4f45-9708-019B960494DF}">
-                  <a14:hiddenLine xmlns="" xmlns:a14="http://schemas.microsoft.com/office/drawing/2010/main" w="9525">
+                  <a14:hiddenLine xmlns:a14="http://schemas.microsoft.com/office/drawing/2010/main" xmlns="" w="9525">
                     <a:solidFill>
                       <a:srgbClr val="000000"/>
                     </a:solidFill>
@@ -10726,7 +10727,7 @@
               </a:ln>
               <a:extLst>
                 <a:ext uri="{91240B29-F687-4f45-9708-019B960494DF}">
-                  <a14:hiddenLine xmlns="" xmlns:a14="http://schemas.microsoft.com/office/drawing/2010/main" w="9525">
+                  <a14:hiddenLine xmlns:a14="http://schemas.microsoft.com/office/drawing/2010/main" xmlns="" w="9525">
                     <a:solidFill>
                       <a:srgbClr val="000000"/>
                     </a:solidFill>
@@ -10788,7 +10789,7 @@
               </a:ln>
               <a:extLst>
                 <a:ext uri="{91240B29-F687-4f45-9708-019B960494DF}">
-                  <a14:hiddenLine xmlns="" xmlns:a14="http://schemas.microsoft.com/office/drawing/2010/main" w="9525">
+                  <a14:hiddenLine xmlns:a14="http://schemas.microsoft.com/office/drawing/2010/main" xmlns="" w="9525">
                     <a:solidFill>
                       <a:srgbClr val="000000"/>
                     </a:solidFill>
@@ -10878,7 +10879,7 @@
               </a:ln>
               <a:extLst>
                 <a:ext uri="{91240B29-F687-4f45-9708-019B960494DF}">
-                  <a14:hiddenLine xmlns="" xmlns:a14="http://schemas.microsoft.com/office/drawing/2010/main" w="9525">
+                  <a14:hiddenLine xmlns:a14="http://schemas.microsoft.com/office/drawing/2010/main" xmlns="" w="9525">
                     <a:solidFill>
                       <a:srgbClr val="000000"/>
                     </a:solidFill>
@@ -10943,7 +10944,7 @@
               </a:ln>
               <a:extLst>
                 <a:ext uri="{91240B29-F687-4f45-9708-019B960494DF}">
-                  <a14:hiddenLine xmlns="" xmlns:a14="http://schemas.microsoft.com/office/drawing/2010/main" w="9525">
+                  <a14:hiddenLine xmlns:a14="http://schemas.microsoft.com/office/drawing/2010/main" xmlns="" w="9525">
                     <a:solidFill>
                       <a:srgbClr val="000000"/>
                     </a:solidFill>
@@ -11005,7 +11006,7 @@
               </a:ln>
               <a:extLst>
                 <a:ext uri="{91240B29-F687-4f45-9708-019B960494DF}">
-                  <a14:hiddenLine xmlns="" xmlns:a14="http://schemas.microsoft.com/office/drawing/2010/main" w="9525">
+                  <a14:hiddenLine xmlns:a14="http://schemas.microsoft.com/office/drawing/2010/main" xmlns="" w="9525">
                     <a:solidFill>
                       <a:srgbClr val="000000"/>
                     </a:solidFill>
@@ -11095,7 +11096,7 @@
               </a:ln>
               <a:extLst>
                 <a:ext uri="{91240B29-F687-4f45-9708-019B960494DF}">
-                  <a14:hiddenLine xmlns="" xmlns:a14="http://schemas.microsoft.com/office/drawing/2010/main" w="9525">
+                  <a14:hiddenLine xmlns:a14="http://schemas.microsoft.com/office/drawing/2010/main" xmlns="" w="9525">
                     <a:solidFill>
                       <a:srgbClr val="000000"/>
                     </a:solidFill>
@@ -11185,7 +11186,7 @@
               </a:ln>
               <a:extLst>
                 <a:ext uri="{91240B29-F687-4f45-9708-019B960494DF}">
-                  <a14:hiddenLine xmlns="" xmlns:a14="http://schemas.microsoft.com/office/drawing/2010/main" w="9525">
+                  <a14:hiddenLine xmlns:a14="http://schemas.microsoft.com/office/drawing/2010/main" xmlns="" w="9525">
                     <a:solidFill>
                       <a:srgbClr val="000000"/>
                     </a:solidFill>
@@ -11250,7 +11251,7 @@
               </a:ln>
               <a:extLst>
                 <a:ext uri="{91240B29-F687-4f45-9708-019B960494DF}">
-                  <a14:hiddenLine xmlns="" xmlns:a14="http://schemas.microsoft.com/office/drawing/2010/main" w="9525">
+                  <a14:hiddenLine xmlns:a14="http://schemas.microsoft.com/office/drawing/2010/main" xmlns="" w="9525">
                     <a:solidFill>
                       <a:srgbClr val="000000"/>
                     </a:solidFill>
@@ -11370,7 +11371,7 @@
               </a:ln>
               <a:extLst>
                 <a:ext uri="{91240B29-F687-4f45-9708-019B960494DF}">
-                  <a14:hiddenLine xmlns="" xmlns:a14="http://schemas.microsoft.com/office/drawing/2010/main" w="9525">
+                  <a14:hiddenLine xmlns:a14="http://schemas.microsoft.com/office/drawing/2010/main" xmlns="" w="9525">
                     <a:solidFill>
                       <a:srgbClr val="000000"/>
                     </a:solidFill>
@@ -11468,7 +11469,7 @@
               </a:ln>
               <a:extLst>
                 <a:ext uri="{91240B29-F687-4f45-9708-019B960494DF}">
-                  <a14:hiddenLine xmlns="" xmlns:a14="http://schemas.microsoft.com/office/drawing/2010/main" w="9525">
+                  <a14:hiddenLine xmlns:a14="http://schemas.microsoft.com/office/drawing/2010/main" xmlns="" w="9525">
                     <a:solidFill>
                       <a:srgbClr val="000000"/>
                     </a:solidFill>
@@ -11583,7 +11584,7 @@
               </a:ln>
               <a:extLst>
                 <a:ext uri="{91240B29-F687-4f45-9708-019B960494DF}">
-                  <a14:hiddenLine xmlns="" xmlns:a14="http://schemas.microsoft.com/office/drawing/2010/main" w="9525">
+                  <a14:hiddenLine xmlns:a14="http://schemas.microsoft.com/office/drawing/2010/main" xmlns="" w="9525">
                     <a:solidFill>
                       <a:srgbClr val="000000"/>
                     </a:solidFill>
@@ -11673,7 +11674,7 @@
               </a:ln>
               <a:extLst>
                 <a:ext uri="{91240B29-F687-4f45-9708-019B960494DF}">
-                  <a14:hiddenLine xmlns="" xmlns:a14="http://schemas.microsoft.com/office/drawing/2010/main" w="9525">
+                  <a14:hiddenLine xmlns:a14="http://schemas.microsoft.com/office/drawing/2010/main" xmlns="" w="9525">
                     <a:solidFill>
                       <a:srgbClr val="000000"/>
                     </a:solidFill>
@@ -11738,7 +11739,7 @@
               </a:ln>
               <a:extLst>
                 <a:ext uri="{91240B29-F687-4f45-9708-019B960494DF}">
-                  <a14:hiddenLine xmlns="" xmlns:a14="http://schemas.microsoft.com/office/drawing/2010/main" w="9525">
+                  <a14:hiddenLine xmlns:a14="http://schemas.microsoft.com/office/drawing/2010/main" xmlns="" w="9525">
                     <a:solidFill>
                       <a:srgbClr val="000000"/>
                     </a:solidFill>
@@ -11828,7 +11829,7 @@
               </a:ln>
               <a:extLst>
                 <a:ext uri="{91240B29-F687-4f45-9708-019B960494DF}">
-                  <a14:hiddenLine xmlns="" xmlns:a14="http://schemas.microsoft.com/office/drawing/2010/main" w="9525">
+                  <a14:hiddenLine xmlns:a14="http://schemas.microsoft.com/office/drawing/2010/main" xmlns="" w="9525">
                     <a:solidFill>
                       <a:srgbClr val="000000"/>
                     </a:solidFill>
@@ -11896,7 +11897,7 @@
               </a:ln>
               <a:extLst>
                 <a:ext uri="{91240B29-F687-4f45-9708-019B960494DF}">
-                  <a14:hiddenLine xmlns="" xmlns:a14="http://schemas.microsoft.com/office/drawing/2010/main" w="9525">
+                  <a14:hiddenLine xmlns:a14="http://schemas.microsoft.com/office/drawing/2010/main" xmlns="" w="9525">
                     <a:solidFill>
                       <a:srgbClr val="000000"/>
                     </a:solidFill>
@@ -11986,7 +11987,7 @@
               </a:ln>
               <a:extLst>
                 <a:ext uri="{91240B29-F687-4f45-9708-019B960494DF}">
-                  <a14:hiddenLine xmlns="" xmlns:a14="http://schemas.microsoft.com/office/drawing/2010/main" w="9525">
+                  <a14:hiddenLine xmlns:a14="http://schemas.microsoft.com/office/drawing/2010/main" xmlns="" w="9525">
                     <a:solidFill>
                       <a:srgbClr val="000000"/>
                     </a:solidFill>
@@ -12054,7 +12055,7 @@
               </a:ln>
               <a:extLst>
                 <a:ext uri="{91240B29-F687-4f45-9708-019B960494DF}">
-                  <a14:hiddenLine xmlns="" xmlns:a14="http://schemas.microsoft.com/office/drawing/2010/main" w="9525">
+                  <a14:hiddenLine xmlns:a14="http://schemas.microsoft.com/office/drawing/2010/main" xmlns="" w="9525">
                     <a:solidFill>
                       <a:srgbClr val="000000"/>
                     </a:solidFill>
@@ -12144,7 +12145,7 @@
               </a:ln>
               <a:extLst>
                 <a:ext uri="{91240B29-F687-4f45-9708-019B960494DF}">
-                  <a14:hiddenLine xmlns="" xmlns:a14="http://schemas.microsoft.com/office/drawing/2010/main" w="9525">
+                  <a14:hiddenLine xmlns:a14="http://schemas.microsoft.com/office/drawing/2010/main" xmlns="" w="9525">
                     <a:solidFill>
                       <a:srgbClr val="000000"/>
                     </a:solidFill>
@@ -12178,7 +12179,7 @@
               </a:ln>
               <a:extLst>
                 <a:ext uri="{91240B29-F687-4f45-9708-019B960494DF}">
-                  <a14:hiddenLine xmlns="" xmlns:a14="http://schemas.microsoft.com/office/drawing/2010/main" w="9525">
+                  <a14:hiddenLine xmlns:a14="http://schemas.microsoft.com/office/drawing/2010/main" xmlns="" w="9525">
                     <a:solidFill>
                       <a:srgbClr val="000000"/>
                     </a:solidFill>
@@ -12407,7 +12408,7 @@
     </p:spTree>
     <p:extLst>
       <p:ext uri="{BB962C8B-B14F-4D97-AF65-F5344CB8AC3E}">
-        <p14:creationId xmlns="" xmlns:p14="http://schemas.microsoft.com/office/powerpoint/2010/main" val="3765454551"/>
+        <p14:creationId xmlns:p14="http://schemas.microsoft.com/office/powerpoint/2010/main" xmlns="" val="3765454551"/>
       </p:ext>
     </p:extLst>
   </p:cSld>
@@ -12746,7 +12747,7 @@
           <p:cNvPr id="2" name="Title 1">
             <a:extLst>
               <a:ext uri="{FF2B5EF4-FFF2-40B4-BE49-F238E27FC236}">
-                <a16:creationId xmlns="" xmlns:a16="http://schemas.microsoft.com/office/drawing/2014/main" id="{F129B78F-2991-4E08-BD9E-C8DAB1299B18}"/>
+                <a16:creationId xmlns:a16="http://schemas.microsoft.com/office/drawing/2014/main" xmlns="" id="{F129B78F-2991-4E08-BD9E-C8DAB1299B18}"/>
               </a:ext>
             </a:extLst>
           </p:cNvPr>
@@ -12788,7 +12789,7 @@
           <p:cNvPr id="3" name="Subtitle 2">
             <a:extLst>
               <a:ext uri="{FF2B5EF4-FFF2-40B4-BE49-F238E27FC236}">
-                <a16:creationId xmlns="" xmlns:a16="http://schemas.microsoft.com/office/drawing/2014/main" id="{80F56544-2A78-48DE-9684-04B0E217054D}"/>
+                <a16:creationId xmlns:a16="http://schemas.microsoft.com/office/drawing/2014/main" xmlns="" id="{80F56544-2A78-48DE-9684-04B0E217054D}"/>
               </a:ext>
             </a:extLst>
           </p:cNvPr>
@@ -12821,7 +12822,7 @@
           <p:cNvPr id="4" name="TextBox 3">
             <a:extLst>
               <a:ext uri="{FF2B5EF4-FFF2-40B4-BE49-F238E27FC236}">
-                <a16:creationId xmlns="" xmlns:a16="http://schemas.microsoft.com/office/drawing/2014/main" id="{B4533122-CBDB-4EA4-8A00-D73A41CDE5AD}"/>
+                <a16:creationId xmlns:a16="http://schemas.microsoft.com/office/drawing/2014/main" xmlns="" id="{B4533122-CBDB-4EA4-8A00-D73A41CDE5AD}"/>
               </a:ext>
             </a:extLst>
           </p:cNvPr>
@@ -12894,7 +12895,7 @@
           <p:cNvPr id="5" name="TextBox 4">
             <a:extLst>
               <a:ext uri="{FF2B5EF4-FFF2-40B4-BE49-F238E27FC236}">
-                <a16:creationId xmlns="" xmlns:a16="http://schemas.microsoft.com/office/drawing/2014/main" id="{40E9A2FE-B3C3-4DCC-87DA-5CC9B87743DC}"/>
+                <a16:creationId xmlns:a16="http://schemas.microsoft.com/office/drawing/2014/main" xmlns="" id="{40E9A2FE-B3C3-4DCC-87DA-5CC9B87743DC}"/>
               </a:ext>
             </a:extLst>
           </p:cNvPr>
@@ -12927,7 +12928,7 @@
     </p:spTree>
     <p:extLst>
       <p:ext uri="{BB962C8B-B14F-4D97-AF65-F5344CB8AC3E}">
-        <p14:creationId xmlns="" xmlns:p14="http://schemas.microsoft.com/office/powerpoint/2010/main" val="4125463342"/>
+        <p14:creationId xmlns:p14="http://schemas.microsoft.com/office/powerpoint/2010/main" xmlns="" val="4125463342"/>
       </p:ext>
     </p:extLst>
   </p:cSld>
@@ -13353,10 +13354,106 @@
       </p:grpSpPr>
       <p:sp>
         <p:nvSpPr>
+          <p:cNvPr id="2" name="Title 1"/>
+          <p:cNvSpPr>
+            <a:spLocks noGrp="1"/>
+          </p:cNvSpPr>
+          <p:nvPr>
+            <p:ph type="title"/>
+          </p:nvPr>
+        </p:nvSpPr>
+        <p:spPr/>
+        <p:txBody>
+          <a:bodyPr/>
+          <a:lstStyle/>
+          <a:p>
+            <a:endParaRPr lang="en-US"/>
+          </a:p>
+        </p:txBody>
+      </p:sp>
+      <p:sp>
+        <p:nvSpPr>
+          <p:cNvPr id="3" name="Content Placeholder 2"/>
+          <p:cNvSpPr>
+            <a:spLocks noGrp="1"/>
+          </p:cNvSpPr>
+          <p:nvPr>
+            <p:ph idx="1"/>
+          </p:nvPr>
+        </p:nvSpPr>
+        <p:spPr/>
+        <p:txBody>
+          <a:bodyPr/>
+          <a:lstStyle/>
+          <a:p>
+            <a:endParaRPr lang="en-US"/>
+          </a:p>
+        </p:txBody>
+      </p:sp>
+      <p:pic>
+        <p:nvPicPr>
+          <p:cNvPr id="1026" name="Picture 2"/>
+          <p:cNvPicPr>
+            <a:picLocks noChangeAspect="1" noChangeArrowheads="1"/>
+          </p:cNvPicPr>
+          <p:nvPr/>
+        </p:nvPicPr>
+        <p:blipFill>
+          <a:blip r:embed="rId2"/>
+          <a:srcRect/>
+          <a:stretch>
+            <a:fillRect/>
+          </a:stretch>
+        </p:blipFill>
+        <p:spPr bwMode="auto">
+          <a:xfrm>
+            <a:off x="0" y="0"/>
+            <a:ext cx="12192000" cy="6858000"/>
+          </a:xfrm>
+          <a:prstGeom prst="rect">
+            <a:avLst/>
+          </a:prstGeom>
+          <a:noFill/>
+          <a:ln w="9525">
+            <a:noFill/>
+            <a:miter lim="800000"/>
+            <a:headEnd/>
+            <a:tailEnd/>
+          </a:ln>
+          <a:effectLst/>
+        </p:spPr>
+      </p:pic>
+    </p:spTree>
+  </p:cSld>
+  <p:clrMapOvr>
+    <a:masterClrMapping/>
+  </p:clrMapOvr>
+</p:sld>
+</file>
+
+<file path=ppt/slides/slide14.xml><?xml version="1.0" encoding="utf-8"?>
+<p:sld xmlns:a="http://schemas.openxmlformats.org/drawingml/2006/main" xmlns:r="http://schemas.openxmlformats.org/officeDocument/2006/relationships" xmlns:p="http://schemas.openxmlformats.org/presentationml/2006/main">
+  <p:cSld>
+    <p:spTree>
+      <p:nvGrpSpPr>
+        <p:cNvPr id="1" name=""/>
+        <p:cNvGrpSpPr/>
+        <p:nvPr/>
+      </p:nvGrpSpPr>
+      <p:grpSpPr>
+        <a:xfrm>
+          <a:off x="0" y="0"/>
+          <a:ext cx="0" cy="0"/>
+          <a:chOff x="0" y="0"/>
+          <a:chExt cx="0" cy="0"/>
+        </a:xfrm>
+      </p:grpSpPr>
+      <p:sp>
+        <p:nvSpPr>
           <p:cNvPr id="2" name="Title 1">
             <a:extLst>
               <a:ext uri="{FF2B5EF4-FFF2-40B4-BE49-F238E27FC236}">
-                <a16:creationId xmlns="" xmlns:a16="http://schemas.microsoft.com/office/drawing/2014/main" id="{B37A42E8-E861-4F15-B0BC-A7624B2ECFE1}"/>
+                <a16:creationId xmlns:a16="http://schemas.microsoft.com/office/drawing/2014/main" xmlns="" id="{B37A42E8-E861-4F15-B0BC-A7624B2ECFE1}"/>
               </a:ext>
             </a:extLst>
           </p:cNvPr>
@@ -13389,7 +13486,7 @@
           <p:cNvPr id="3" name="Text Placeholder 2">
             <a:extLst>
               <a:ext uri="{FF2B5EF4-FFF2-40B4-BE49-F238E27FC236}">
-                <a16:creationId xmlns="" xmlns:a16="http://schemas.microsoft.com/office/drawing/2014/main" id="{97917754-1908-4E5C-A8B3-F5EC02DD0E18}"/>
+                <a16:creationId xmlns:a16="http://schemas.microsoft.com/office/drawing/2014/main" xmlns="" id="{97917754-1908-4E5C-A8B3-F5EC02DD0E18}"/>
               </a:ext>
             </a:extLst>
           </p:cNvPr>
@@ -13417,7 +13514,7 @@
           <p:cNvPr id="4" name="TextBox 3">
             <a:extLst>
               <a:ext uri="{FF2B5EF4-FFF2-40B4-BE49-F238E27FC236}">
-                <a16:creationId xmlns="" xmlns:a16="http://schemas.microsoft.com/office/drawing/2014/main" id="{187D6C19-B767-4144-B5F4-982D4873D2AA}"/>
+                <a16:creationId xmlns:a16="http://schemas.microsoft.com/office/drawing/2014/main" xmlns="" id="{187D6C19-B767-4144-B5F4-982D4873D2AA}"/>
               </a:ext>
             </a:extLst>
           </p:cNvPr>
@@ -13513,7 +13610,7 @@
     </p:spTree>
     <p:extLst>
       <p:ext uri="{BB962C8B-B14F-4D97-AF65-F5344CB8AC3E}">
-        <p14:creationId xmlns="" xmlns:p14="http://schemas.microsoft.com/office/powerpoint/2010/main" val="2005149507"/>
+        <p14:creationId xmlns:p14="http://schemas.microsoft.com/office/powerpoint/2010/main" xmlns="" val="2005149507"/>
       </p:ext>
     </p:extLst>
   </p:cSld>
@@ -13647,7 +13744,7 @@
 </p:sld>
 </file>
 
-<file path=ppt/slides/slide14.xml><?xml version="1.0" encoding="utf-8"?>
+<file path=ppt/slides/slide15.xml><?xml version="1.0" encoding="utf-8"?>
 <p:sld xmlns:a="http://schemas.openxmlformats.org/drawingml/2006/main" xmlns:r="http://schemas.openxmlformats.org/officeDocument/2006/relationships" xmlns:p="http://schemas.openxmlformats.org/presentationml/2006/main">
   <p:cSld>
     <p:spTree>
@@ -13669,7 +13766,7 @@
           <p:cNvPr id="2" name="Title 1">
             <a:extLst>
               <a:ext uri="{FF2B5EF4-FFF2-40B4-BE49-F238E27FC236}">
-                <a16:creationId xmlns="" xmlns:a16="http://schemas.microsoft.com/office/drawing/2014/main" id="{32A1A8BA-3078-405F-AA65-3FC458D8CC34}"/>
+                <a16:creationId xmlns:a16="http://schemas.microsoft.com/office/drawing/2014/main" xmlns="" id="{32A1A8BA-3078-405F-AA65-3FC458D8CC34}"/>
               </a:ext>
             </a:extLst>
           </p:cNvPr>
@@ -13702,7 +13799,7 @@
           <p:cNvPr id="3" name="Text Placeholder 2">
             <a:extLst>
               <a:ext uri="{FF2B5EF4-FFF2-40B4-BE49-F238E27FC236}">
-                <a16:creationId xmlns="" xmlns:a16="http://schemas.microsoft.com/office/drawing/2014/main" id="{09A52E5A-851E-47F2-BBD8-16693268D6DB}"/>
+                <a16:creationId xmlns:a16="http://schemas.microsoft.com/office/drawing/2014/main" xmlns="" id="{09A52E5A-851E-47F2-BBD8-16693268D6DB}"/>
               </a:ext>
             </a:extLst>
           </p:cNvPr>
@@ -13759,7 +13856,7 @@
     </p:spTree>
     <p:extLst>
       <p:ext uri="{BB962C8B-B14F-4D97-AF65-F5344CB8AC3E}">
-        <p14:creationId xmlns="" xmlns:p14="http://schemas.microsoft.com/office/powerpoint/2010/main" val="1125479283"/>
+        <p14:creationId xmlns:p14="http://schemas.microsoft.com/office/powerpoint/2010/main" xmlns="" val="1125479283"/>
       </p:ext>
     </p:extLst>
   </p:cSld>
@@ -13949,7 +14046,7 @@
 </p:sld>
 </file>
 
-<file path=ppt/slides/slide15.xml><?xml version="1.0" encoding="utf-8"?>
+<file path=ppt/slides/slide16.xml><?xml version="1.0" encoding="utf-8"?>
 <p:sld xmlns:a="http://schemas.openxmlformats.org/drawingml/2006/main" xmlns:r="http://schemas.openxmlformats.org/officeDocument/2006/relationships" xmlns:p="http://schemas.openxmlformats.org/presentationml/2006/main">
   <p:cSld>
     <p:spTree>
@@ -13971,7 +14068,7 @@
           <p:cNvPr id="2" name="Title 1">
             <a:extLst>
               <a:ext uri="{FF2B5EF4-FFF2-40B4-BE49-F238E27FC236}">
-                <a16:creationId xmlns="" xmlns:a16="http://schemas.microsoft.com/office/drawing/2014/main" id="{2341C03D-1560-4C99-AF51-EB389CF1CD64}"/>
+                <a16:creationId xmlns:a16="http://schemas.microsoft.com/office/drawing/2014/main" xmlns="" id="{2341C03D-1560-4C99-AF51-EB389CF1CD64}"/>
               </a:ext>
             </a:extLst>
           </p:cNvPr>
@@ -14004,7 +14101,7 @@
           <p:cNvPr id="3" name="Content Placeholder 2">
             <a:extLst>
               <a:ext uri="{FF2B5EF4-FFF2-40B4-BE49-F238E27FC236}">
-                <a16:creationId xmlns="" xmlns:a16="http://schemas.microsoft.com/office/drawing/2014/main" id="{AE7C3806-9F1E-49E7-9799-9B7AE5CE259C}"/>
+                <a16:creationId xmlns:a16="http://schemas.microsoft.com/office/drawing/2014/main" xmlns="" id="{AE7C3806-9F1E-49E7-9799-9B7AE5CE259C}"/>
               </a:ext>
             </a:extLst>
           </p:cNvPr>
@@ -14035,7 +14132,7 @@
     </p:spTree>
     <p:extLst>
       <p:ext uri="{BB962C8B-B14F-4D97-AF65-F5344CB8AC3E}">
-        <p14:creationId xmlns="" xmlns:p14="http://schemas.microsoft.com/office/powerpoint/2010/main" val="1629215681"/>
+        <p14:creationId xmlns:p14="http://schemas.microsoft.com/office/powerpoint/2010/main" xmlns="" val="1629215681"/>
       </p:ext>
     </p:extLst>
   </p:cSld>
@@ -14139,7 +14236,7 @@
 </p:sld>
 </file>
 
-<file path=ppt/slides/slide16.xml><?xml version="1.0" encoding="utf-8"?>
+<file path=ppt/slides/slide17.xml><?xml version="1.0" encoding="utf-8"?>
 <p:sld xmlns:a="http://schemas.openxmlformats.org/drawingml/2006/main" xmlns:r="http://schemas.openxmlformats.org/officeDocument/2006/relationships" xmlns:p="http://schemas.openxmlformats.org/presentationml/2006/main">
   <p:cSld>
     <p:spTree>
@@ -14161,7 +14258,7 @@
           <p:cNvPr id="2" name="Title 1">
             <a:extLst>
               <a:ext uri="{FF2B5EF4-FFF2-40B4-BE49-F238E27FC236}">
-                <a16:creationId xmlns="" xmlns:a16="http://schemas.microsoft.com/office/drawing/2014/main" id="{6A90BB52-E34E-427A-955F-64CA0D71412D}"/>
+                <a16:creationId xmlns:a16="http://schemas.microsoft.com/office/drawing/2014/main" xmlns="" id="{6A90BB52-E34E-427A-955F-64CA0D71412D}"/>
               </a:ext>
             </a:extLst>
           </p:cNvPr>
@@ -14192,7 +14289,7 @@
     </p:spTree>
     <p:extLst>
       <p:ext uri="{BB962C8B-B14F-4D97-AF65-F5344CB8AC3E}">
-        <p14:creationId xmlns="" xmlns:p14="http://schemas.microsoft.com/office/powerpoint/2010/main" val="1471629011"/>
+        <p14:creationId xmlns:p14="http://schemas.microsoft.com/office/powerpoint/2010/main" xmlns="" val="1471629011"/>
       </p:ext>
     </p:extLst>
   </p:cSld>
@@ -14295,7 +14392,7 @@
           <p:cNvPr id="2" name="Title 1">
             <a:extLst>
               <a:ext uri="{FF2B5EF4-FFF2-40B4-BE49-F238E27FC236}">
-                <a16:creationId xmlns="" xmlns:a16="http://schemas.microsoft.com/office/drawing/2014/main" id="{A52DF8CA-1BCD-4126-A3AB-342A194C095C}"/>
+                <a16:creationId xmlns:a16="http://schemas.microsoft.com/office/drawing/2014/main" xmlns="" id="{A52DF8CA-1BCD-4126-A3AB-342A194C095C}"/>
               </a:ext>
             </a:extLst>
           </p:cNvPr>
@@ -14330,7 +14427,7 @@
           <p:cNvPr id="3" name="Subtitle 2">
             <a:extLst>
               <a:ext uri="{FF2B5EF4-FFF2-40B4-BE49-F238E27FC236}">
-                <a16:creationId xmlns="" xmlns:a16="http://schemas.microsoft.com/office/drawing/2014/main" id="{597B2008-0146-4B45-8682-0A3A010010EB}"/>
+                <a16:creationId xmlns:a16="http://schemas.microsoft.com/office/drawing/2014/main" xmlns="" id="{597B2008-0146-4B45-8682-0A3A010010EB}"/>
               </a:ext>
             </a:extLst>
           </p:cNvPr>
@@ -14396,7 +14493,7 @@
           <p:cNvPr id="4" name="TextBox 3">
             <a:extLst>
               <a:ext uri="{FF2B5EF4-FFF2-40B4-BE49-F238E27FC236}">
-                <a16:creationId xmlns="" xmlns:a16="http://schemas.microsoft.com/office/drawing/2014/main" id="{9EB05070-BE0A-4C57-BDED-DF9114DDB906}"/>
+                <a16:creationId xmlns:a16="http://schemas.microsoft.com/office/drawing/2014/main" xmlns="" id="{9EB05070-BE0A-4C57-BDED-DF9114DDB906}"/>
               </a:ext>
             </a:extLst>
           </p:cNvPr>
@@ -14429,7 +14526,7 @@
     </p:spTree>
     <p:extLst>
       <p:ext uri="{BB962C8B-B14F-4D97-AF65-F5344CB8AC3E}">
-        <p14:creationId xmlns="" xmlns:p14="http://schemas.microsoft.com/office/powerpoint/2010/main" val="895807454"/>
+        <p14:creationId xmlns:p14="http://schemas.microsoft.com/office/powerpoint/2010/main" xmlns="" val="895807454"/>
       </p:ext>
     </p:extLst>
   </p:cSld>
@@ -14670,7 +14767,7 @@
           <p:cNvPr id="2" name="Title 1">
             <a:extLst>
               <a:ext uri="{FF2B5EF4-FFF2-40B4-BE49-F238E27FC236}">
-                <a16:creationId xmlns="" xmlns:a16="http://schemas.microsoft.com/office/drawing/2014/main" id="{0A47CE9E-CAF6-4B6E-9FF6-B332D1D5BC5A}"/>
+                <a16:creationId xmlns:a16="http://schemas.microsoft.com/office/drawing/2014/main" xmlns="" id="{0A47CE9E-CAF6-4B6E-9FF6-B332D1D5BC5A}"/>
               </a:ext>
             </a:extLst>
           </p:cNvPr>
@@ -14703,7 +14800,7 @@
           <p:cNvPr id="3" name="Text Placeholder 2">
             <a:extLst>
               <a:ext uri="{FF2B5EF4-FFF2-40B4-BE49-F238E27FC236}">
-                <a16:creationId xmlns="" xmlns:a16="http://schemas.microsoft.com/office/drawing/2014/main" id="{00C8413B-C095-4B0B-902C-5F13C9A38DBB}"/>
+                <a16:creationId xmlns:a16="http://schemas.microsoft.com/office/drawing/2014/main" xmlns="" id="{00C8413B-C095-4B0B-902C-5F13C9A38DBB}"/>
               </a:ext>
             </a:extLst>
           </p:cNvPr>
@@ -14816,7 +14913,7 @@
     </p:spTree>
     <p:extLst>
       <p:ext uri="{BB962C8B-B14F-4D97-AF65-F5344CB8AC3E}">
-        <p14:creationId xmlns="" xmlns:p14="http://schemas.microsoft.com/office/powerpoint/2010/main" val="3921386396"/>
+        <p14:creationId xmlns:p14="http://schemas.microsoft.com/office/powerpoint/2010/main" xmlns="" val="3921386396"/>
       </p:ext>
     </p:extLst>
   </p:cSld>
@@ -14848,7 +14945,7 @@
           <p:cNvPr id="2" name="Title 1">
             <a:extLst>
               <a:ext uri="{FF2B5EF4-FFF2-40B4-BE49-F238E27FC236}">
-                <a16:creationId xmlns="" xmlns:a16="http://schemas.microsoft.com/office/drawing/2014/main" id="{35858EE3-0436-4CE0-BBBA-B94258351F2D}"/>
+                <a16:creationId xmlns:a16="http://schemas.microsoft.com/office/drawing/2014/main" xmlns="" id="{35858EE3-0436-4CE0-BBBA-B94258351F2D}"/>
               </a:ext>
             </a:extLst>
           </p:cNvPr>
@@ -14882,7 +14979,7 @@
           <p:cNvPr id="3" name="Content Placeholder 2">
             <a:extLst>
               <a:ext uri="{FF2B5EF4-FFF2-40B4-BE49-F238E27FC236}">
-                <a16:creationId xmlns="" xmlns:a16="http://schemas.microsoft.com/office/drawing/2014/main" id="{443AA1DD-55A5-406D-BB2F-6BCC753690AC}"/>
+                <a16:creationId xmlns:a16="http://schemas.microsoft.com/office/drawing/2014/main" xmlns="" id="{443AA1DD-55A5-406D-BB2F-6BCC753690AC}"/>
               </a:ext>
             </a:extLst>
           </p:cNvPr>
@@ -14931,7 +15028,7 @@
     </p:spTree>
     <p:extLst>
       <p:ext uri="{BB962C8B-B14F-4D97-AF65-F5344CB8AC3E}">
-        <p14:creationId xmlns="" xmlns:p14="http://schemas.microsoft.com/office/powerpoint/2010/main" val="2237307239"/>
+        <p14:creationId xmlns:p14="http://schemas.microsoft.com/office/powerpoint/2010/main" xmlns="" val="2237307239"/>
       </p:ext>
     </p:extLst>
   </p:cSld>
@@ -15305,7 +15402,7 @@
           <p:cNvPr id="2" name="Title 1">
             <a:extLst>
               <a:ext uri="{FF2B5EF4-FFF2-40B4-BE49-F238E27FC236}">
-                <a16:creationId xmlns="" xmlns:a16="http://schemas.microsoft.com/office/drawing/2014/main" id="{1FF01920-3A0A-4FE4-BF05-8330A753F1CE}"/>
+                <a16:creationId xmlns:a16="http://schemas.microsoft.com/office/drawing/2014/main" xmlns="" id="{1FF01920-3A0A-4FE4-BF05-8330A753F1CE}"/>
               </a:ext>
             </a:extLst>
           </p:cNvPr>
@@ -15339,7 +15436,7 @@
           <p:cNvPr id="3" name="Subtitle 2">
             <a:extLst>
               <a:ext uri="{FF2B5EF4-FFF2-40B4-BE49-F238E27FC236}">
-                <a16:creationId xmlns="" xmlns:a16="http://schemas.microsoft.com/office/drawing/2014/main" id="{392E2916-E31F-4180-B2B5-352B2BE9E184}"/>
+                <a16:creationId xmlns:a16="http://schemas.microsoft.com/office/drawing/2014/main" xmlns="" id="{392E2916-E31F-4180-B2B5-352B2BE9E184}"/>
               </a:ext>
             </a:extLst>
           </p:cNvPr>
@@ -15394,7 +15491,7 @@
     </p:spTree>
     <p:extLst>
       <p:ext uri="{BB962C8B-B14F-4D97-AF65-F5344CB8AC3E}">
-        <p14:creationId xmlns="" xmlns:p14="http://schemas.microsoft.com/office/powerpoint/2010/main" val="398347415"/>
+        <p14:creationId xmlns:p14="http://schemas.microsoft.com/office/powerpoint/2010/main" xmlns="" val="398347415"/>
       </p:ext>
     </p:extLst>
   </p:cSld>
@@ -15581,7 +15678,7 @@
           <p:cNvPr id="2" name="Title 1">
             <a:extLst>
               <a:ext uri="{FF2B5EF4-FFF2-40B4-BE49-F238E27FC236}">
-                <a16:creationId xmlns="" xmlns:a16="http://schemas.microsoft.com/office/drawing/2014/main" id="{010F0B51-1D1C-4147-A749-4F82DACE7E97}"/>
+                <a16:creationId xmlns:a16="http://schemas.microsoft.com/office/drawing/2014/main" xmlns="" id="{010F0B51-1D1C-4147-A749-4F82DACE7E97}"/>
               </a:ext>
             </a:extLst>
           </p:cNvPr>
@@ -15616,7 +15713,7 @@
           <p:cNvPr id="3" name="Subtitle 2">
             <a:extLst>
               <a:ext uri="{FF2B5EF4-FFF2-40B4-BE49-F238E27FC236}">
-                <a16:creationId xmlns="" xmlns:a16="http://schemas.microsoft.com/office/drawing/2014/main" id="{4A9EBB8D-B48A-4394-B65B-526DD6310312}"/>
+                <a16:creationId xmlns:a16="http://schemas.microsoft.com/office/drawing/2014/main" xmlns="" id="{4A9EBB8D-B48A-4394-B65B-526DD6310312}"/>
               </a:ext>
             </a:extLst>
           </p:cNvPr>
@@ -15683,7 +15780,7 @@
           <p:cNvPr id="4" name="Title 1">
             <a:extLst>
               <a:ext uri="{FF2B5EF4-FFF2-40B4-BE49-F238E27FC236}">
-                <a16:creationId xmlns="" xmlns:a16="http://schemas.microsoft.com/office/drawing/2014/main" id="{06E24362-2BD2-4AB0-ABD6-C7820A0F41D5}"/>
+                <a16:creationId xmlns:a16="http://schemas.microsoft.com/office/drawing/2014/main" xmlns="" id="{06E24362-2BD2-4AB0-ABD6-C7820A0F41D5}"/>
               </a:ext>
             </a:extLst>
           </p:cNvPr>
@@ -15795,7 +15892,7 @@
           <p:cNvPr id="7" name="Subtitle 2">
             <a:extLst>
               <a:ext uri="{FF2B5EF4-FFF2-40B4-BE49-F238E27FC236}">
-                <a16:creationId xmlns="" xmlns:a16="http://schemas.microsoft.com/office/drawing/2014/main" id="{656EB3D0-F310-CE49-A52E-3D7E37F2429A}"/>
+                <a16:creationId xmlns:a16="http://schemas.microsoft.com/office/drawing/2014/main" xmlns="" id="{656EB3D0-F310-CE49-A52E-3D7E37F2429A}"/>
               </a:ext>
             </a:extLst>
           </p:cNvPr>
@@ -15864,7 +15961,7 @@
     </p:spTree>
     <p:extLst>
       <p:ext uri="{BB962C8B-B14F-4D97-AF65-F5344CB8AC3E}">
-        <p14:creationId xmlns="" xmlns:p14="http://schemas.microsoft.com/office/powerpoint/2010/main" val="2184091070"/>
+        <p14:creationId xmlns:p14="http://schemas.microsoft.com/office/powerpoint/2010/main" xmlns="" val="2184091070"/>
       </p:ext>
     </p:extLst>
   </p:cSld>
@@ -16634,7 +16731,7 @@
           <p:cNvPr id="2" name="Title 1">
             <a:extLst>
               <a:ext uri="{FF2B5EF4-FFF2-40B4-BE49-F238E27FC236}">
-                <a16:creationId xmlns="" xmlns:a16="http://schemas.microsoft.com/office/drawing/2014/main" id="{CE3E2502-80B6-43E7-AE20-B0AD38D5A3D3}"/>
+                <a16:creationId xmlns:a16="http://schemas.microsoft.com/office/drawing/2014/main" xmlns="" id="{CE3E2502-80B6-43E7-AE20-B0AD38D5A3D3}"/>
               </a:ext>
             </a:extLst>
           </p:cNvPr>
@@ -16667,7 +16764,7 @@
           <p:cNvPr id="3" name="Text Placeholder 2">
             <a:extLst>
               <a:ext uri="{FF2B5EF4-FFF2-40B4-BE49-F238E27FC236}">
-                <a16:creationId xmlns="" xmlns:a16="http://schemas.microsoft.com/office/drawing/2014/main" id="{484DD7A6-CACA-4179-9AD3-6280217B0F6F}"/>
+                <a16:creationId xmlns:a16="http://schemas.microsoft.com/office/drawing/2014/main" xmlns="" id="{484DD7A6-CACA-4179-9AD3-6280217B0F6F}"/>
               </a:ext>
             </a:extLst>
           </p:cNvPr>
@@ -16743,7 +16840,7 @@
     </p:spTree>
     <p:extLst>
       <p:ext uri="{BB962C8B-B14F-4D97-AF65-F5344CB8AC3E}">
-        <p14:creationId xmlns="" xmlns:p14="http://schemas.microsoft.com/office/powerpoint/2010/main" val="1557606743"/>
+        <p14:creationId xmlns:p14="http://schemas.microsoft.com/office/powerpoint/2010/main" xmlns="" val="1557606743"/>
       </p:ext>
     </p:extLst>
   </p:cSld>
@@ -17220,7 +17317,7 @@
           <p:cNvPr id="3" name="Picture 2">
             <a:extLst>
               <a:ext uri="{FF2B5EF4-FFF2-40B4-BE49-F238E27FC236}">
-                <a16:creationId xmlns="" xmlns:a16="http://schemas.microsoft.com/office/drawing/2014/main" id="{FE656E5D-385F-451F-BFF1-CE259EF4D53D}"/>
+                <a16:creationId xmlns:a16="http://schemas.microsoft.com/office/drawing/2014/main" xmlns="" id="{FE656E5D-385F-451F-BFF1-CE259EF4D53D}"/>
               </a:ext>
             </a:extLst>
           </p:cNvPr>
@@ -17233,7 +17330,7 @@
           <a:blip r:embed="rId2" cstate="print">
             <a:extLst>
               <a:ext uri="{28A0092B-C50C-407E-A947-70E740481C1C}">
-                <a14:useLocalDpi xmlns="" xmlns:a14="http://schemas.microsoft.com/office/drawing/2010/main" val="0"/>
+                <a14:useLocalDpi xmlns:a14="http://schemas.microsoft.com/office/drawing/2010/main" xmlns="" val="0"/>
               </a:ext>
             </a:extLst>
           </a:blip>
@@ -17256,7 +17353,7 @@
           <p:cNvPr id="4" name="TextBox 3">
             <a:extLst>
               <a:ext uri="{FF2B5EF4-FFF2-40B4-BE49-F238E27FC236}">
-                <a16:creationId xmlns="" xmlns:a16="http://schemas.microsoft.com/office/drawing/2014/main" id="{61EDA1CE-FF2E-45BA-8938-861B4571FB80}"/>
+                <a16:creationId xmlns:a16="http://schemas.microsoft.com/office/drawing/2014/main" xmlns="" id="{61EDA1CE-FF2E-45BA-8938-861B4571FB80}"/>
               </a:ext>
             </a:extLst>
           </p:cNvPr>
@@ -17289,7 +17386,7 @@
     </p:spTree>
     <p:extLst>
       <p:ext uri="{BB962C8B-B14F-4D97-AF65-F5344CB8AC3E}">
-        <p14:creationId xmlns="" xmlns:p14="http://schemas.microsoft.com/office/powerpoint/2010/main" val="3568589073"/>
+        <p14:creationId xmlns:p14="http://schemas.microsoft.com/office/powerpoint/2010/main" xmlns="" val="3568589073"/>
       </p:ext>
     </p:extLst>
   </p:cSld>
@@ -17387,7 +17484,7 @@
           <p:cNvPr id="2" name="Title 1">
             <a:extLst>
               <a:ext uri="{FF2B5EF4-FFF2-40B4-BE49-F238E27FC236}">
-                <a16:creationId xmlns="" xmlns:a16="http://schemas.microsoft.com/office/drawing/2014/main" id="{9977B5EE-55AC-410D-A423-749475C188CD}"/>
+                <a16:creationId xmlns:a16="http://schemas.microsoft.com/office/drawing/2014/main" xmlns="" id="{9977B5EE-55AC-410D-A423-749475C188CD}"/>
               </a:ext>
             </a:extLst>
           </p:cNvPr>
@@ -17420,7 +17517,7 @@
           <p:cNvPr id="3" name="Subtitle 2">
             <a:extLst>
               <a:ext uri="{FF2B5EF4-FFF2-40B4-BE49-F238E27FC236}">
-                <a16:creationId xmlns="" xmlns:a16="http://schemas.microsoft.com/office/drawing/2014/main" id="{B346BD24-2BBB-45B6-9FE1-86F005512463}"/>
+                <a16:creationId xmlns:a16="http://schemas.microsoft.com/office/drawing/2014/main" xmlns="" id="{B346BD24-2BBB-45B6-9FE1-86F005512463}"/>
               </a:ext>
             </a:extLst>
           </p:cNvPr>
@@ -17482,7 +17579,7 @@
     </p:spTree>
     <p:extLst>
       <p:ext uri="{BB962C8B-B14F-4D97-AF65-F5344CB8AC3E}">
-        <p14:creationId xmlns="" xmlns:p14="http://schemas.microsoft.com/office/powerpoint/2010/main" val="4060549933"/>
+        <p14:creationId xmlns:p14="http://schemas.microsoft.com/office/powerpoint/2010/main" xmlns="" val="4060549933"/>
       </p:ext>
     </p:extLst>
   </p:cSld>
@@ -18182,7 +18279,7 @@
   <a:extraClrSchemeLst/>
   <a:extLst>
     <a:ext uri="{05A4C25C-085E-4340-85A3-A5531E510DB2}">
-      <thm15:themeFamily xmlns="" xmlns:thm15="http://schemas.microsoft.com/office/thememl/2012/main" name="Circuit" id="{0AC2F7E7-15F5-431C-B2A2-456FE929F56C}" vid="{0911B802-464C-4241-8DD9-B60FF88E379F}"/>
+      <thm15:themeFamily xmlns:thm15="http://schemas.microsoft.com/office/thememl/2012/main" xmlns="" name="Circuit" id="{0AC2F7E7-15F5-431C-B2A2-456FE929F56C}" vid="{0911B802-464C-4241-8DD9-B60FF88E379F}"/>
     </a:ext>
   </a:extLst>
 </a:theme>
